--- a/ML4HC/Presentation_MLHC.pptx
+++ b/ML4HC/Presentation_MLHC.pptx
@@ -246,7 +246,7 @@
           <a:p>
             <a:fld id="{F68ABEA4-9216-4FDF-AAE1-D8632908A8EC}" type="datetimeFigureOut">
               <a:rPr lang="de-CH" smtClean="0"/>
-              <a:t>06.05.2024</a:t>
+              <a:t>07.05.2024</a:t>
             </a:fld>
             <a:endParaRPr lang="de-CH"/>
           </a:p>
@@ -423,7 +423,7 @@
           <a:p>
             <a:fld id="{4B78A90D-FE7E-41AF-B03D-808D82937CB9}" type="datetimeFigureOut">
               <a:rPr lang="de-CH" smtClean="0"/>
-              <a:t>06.05.2024</a:t>
+              <a:t>07.05.2024</a:t>
             </a:fld>
             <a:endParaRPr lang="de-CH"/>
           </a:p>
@@ -737,7 +737,7 @@
           <a:p>
             <a:r>
               <a:rPr lang="en-GB" dirty="0"/>
-              <a:t>CASI = Clinical Acronym Sense Inventory</a:t>
+              <a:t>-CASI = Clinical Acronym Sense Inventory</a:t>
             </a:r>
           </a:p>
           <a:p>
@@ -759,11 +759,38 @@
               <a:defRPr/>
             </a:pPr>
             <a:r>
-              <a:rPr lang="en-US" b="1" dirty="0"/>
-              <a:t>MIMIC-CXR, a de-identified publicly available database of chest radiographs with free-text reports</a:t>
-            </a:r>
-          </a:p>
-          <a:p>
+              <a:rPr lang="en-US" b="0" dirty="0"/>
+              <a:t>-MIMIC a de-identified publicly available database of chest radiographs with free-text reports</a:t>
+            </a:r>
+          </a:p>
+          <a:p>
+            <a:pPr marL="0" marR="0" lvl="0" indent="0" algn="l" defTabSz="914400" rtl="0" eaLnBrk="1" fontAlgn="auto" latinLnBrk="0" hangingPunct="1">
+              <a:lnSpc>
+                <a:spcPct val="100000"/>
+              </a:lnSpc>
+              <a:spcBef>
+                <a:spcPts val="0"/>
+              </a:spcBef>
+              <a:spcAft>
+                <a:spcPts val="0"/>
+              </a:spcAft>
+              <a:buClrTx/>
+              <a:buSzTx/>
+              <a:buFontTx/>
+              <a:buNone/>
+              <a:tabLst/>
+              <a:defRPr/>
+            </a:pPr>
+            <a:r>
+              <a:rPr lang="en-US" b="0" dirty="0"/>
+              <a:t>-In the resolver, we choose the answer choice with the highest contiguous character overlap with the LLM generated output</a:t>
+            </a:r>
+          </a:p>
+          <a:p>
+            <a:r>
+              <a:rPr lang="en-GB" dirty="0"/>
+              <a:t>-</a:t>
+            </a:r>
             <a:r>
               <a:rPr lang="en-GB" dirty="0" err="1"/>
               <a:t>Destilation</a:t>
@@ -865,19 +892,19 @@
           <a:p>
             <a:r>
               <a:rPr lang="en-GB" dirty="0"/>
-              <a:t>Labels: active, discontinued, neither</a:t>
+              <a:t>-Labels: active, discontinued, neither</a:t>
             </a:r>
           </a:p>
           <a:p>
             <a:r>
               <a:rPr lang="en-GB" dirty="0"/>
-              <a:t>105 randomly selected snippets manually annotated</a:t>
+              <a:t>-105 randomly selected snippets manually annotated</a:t>
             </a:r>
           </a:p>
           <a:p>
             <a:r>
               <a:rPr lang="en-GB" dirty="0"/>
-              <a:t>Augment status labels so all are present, or correct</a:t>
+              <a:t>-Augment status labels so all are present, or correct</a:t>
             </a:r>
           </a:p>
         </p:txBody>
@@ -964,7 +991,7 @@
           <a:p>
             <a:r>
               <a:rPr lang="en-GB" dirty="0"/>
-              <a:t>Status labels focused on the examples where </a:t>
+              <a:t>-Status labels focused on the examples where </a:t>
             </a:r>
             <a:r>
               <a:rPr lang="en-GB" dirty="0" err="1"/>
@@ -978,7 +1005,7 @@
           <a:p>
             <a:r>
               <a:rPr lang="en-US" dirty="0"/>
-              <a:t>We find that if the rarer Neither class wasn’t demonstrated</a:t>
+              <a:t>-We find that if the rarer Neither class wasn’t demonstrated</a:t>
             </a:r>
             <a:r>
               <a:rPr lang="en-GB" dirty="0"/>
@@ -1074,25 +1101,17 @@
           <a:p>
             <a:r>
               <a:rPr lang="en-GB" dirty="0"/>
-              <a:t>CRF layer: conditional random field layer</a:t>
+              <a:t>-CRF layer: conditional random field layer</a:t>
             </a:r>
           </a:p>
           <a:p>
             <a:r>
               <a:rPr lang="en-GB" dirty="0"/>
-              <a:t>Specific metric: </a:t>
+              <a:t>-Specific metric: </a:t>
             </a:r>
             <a:r>
               <a:rPr lang="en-US" dirty="0"/>
-              <a:t> simple BERT-based models </a:t>
-            </a:r>
-            <a:r>
-              <a:rPr lang="en-US"/>
-              <a:t>for relation </a:t>
-            </a:r>
-            <a:r>
-              <a:rPr lang="en-US" dirty="0"/>
-              <a:t>extraction and semantic role labeling</a:t>
+              <a:t> simple BERT-based models for relation extraction and semantic role labeling</a:t>
             </a:r>
             <a:endParaRPr lang="en-GB" dirty="0"/>
           </a:p>
@@ -1594,7 +1613,7 @@
           <a:p>
             <a:fld id="{C47C2547-0B26-4181-9958-0F74634B97A1}" type="datetime1">
               <a:rPr lang="de-CH" noProof="0" smtClean="0"/>
-              <a:t>06.05.2024</a:t>
+              <a:t>07.05.2024</a:t>
             </a:fld>
             <a:endParaRPr lang="de-CH" noProof="0"/>
           </a:p>
@@ -1789,7 +1808,7 @@
           <a:p>
             <a:fld id="{4A533879-9C0F-4F94-919F-30B833E8871A}" type="datetime1">
               <a:rPr lang="de-CH" noProof="0" smtClean="0"/>
-              <a:t>06.05.2024</a:t>
+              <a:t>07.05.2024</a:t>
             </a:fld>
             <a:endParaRPr lang="de-CH" noProof="0"/>
           </a:p>
@@ -2076,7 +2095,7 @@
           <a:p>
             <a:fld id="{68EF82BE-DF56-4719-B180-C3B0D509F71F}" type="datetime1">
               <a:rPr lang="de-CH" noProof="0" smtClean="0"/>
-              <a:t>06.05.2024</a:t>
+              <a:t>07.05.2024</a:t>
             </a:fld>
             <a:endParaRPr lang="de-CH" noProof="0"/>
           </a:p>
@@ -2374,7 +2393,7 @@
           <a:p>
             <a:fld id="{3E1B9425-7348-43E2-B0E9-6A2A48F5FA8A}" type="datetime1">
               <a:rPr lang="de-CH" noProof="0" smtClean="0"/>
-              <a:t>06.05.2024</a:t>
+              <a:t>07.05.2024</a:t>
             </a:fld>
             <a:endParaRPr lang="de-CH" noProof="0"/>
           </a:p>
@@ -2774,7 +2793,7 @@
           <a:p>
             <a:fld id="{0F7782B2-018B-4FD3-AD95-2F64EDE0E9D6}" type="datetime1">
               <a:rPr lang="de-CH" noProof="0" smtClean="0"/>
-              <a:t>06.05.2024</a:t>
+              <a:t>07.05.2024</a:t>
             </a:fld>
             <a:endParaRPr lang="de-CH" noProof="0"/>
           </a:p>
@@ -3142,7 +3161,7 @@
           <a:p>
             <a:fld id="{D0A0FED0-443D-411A-B8E4-0668A8890EE3}" type="datetime1">
               <a:rPr lang="de-CH" noProof="0" smtClean="0"/>
-              <a:t>06.05.2024</a:t>
+              <a:t>07.05.2024</a:t>
             </a:fld>
             <a:endParaRPr lang="de-CH" noProof="0"/>
           </a:p>
@@ -5171,7 +5190,7 @@
           <a:p>
             <a:fld id="{1332D50A-E6CC-4D88-8908-F2129032F4C7}" type="datetime1">
               <a:rPr lang="de-CH" noProof="0" smtClean="0"/>
-              <a:t>06.05.2024</a:t>
+              <a:t>07.05.2024</a:t>
             </a:fld>
             <a:endParaRPr lang="de-CH" noProof="0"/>
           </a:p>
@@ -5414,7 +5433,7 @@
           <a:p>
             <a:fld id="{11B96697-4585-4368-989A-16003D150648}" type="datetime1">
               <a:rPr lang="de-CH" noProof="0" smtClean="0"/>
-              <a:t>06.05.2024</a:t>
+              <a:t>07.05.2024</a:t>
             </a:fld>
             <a:endParaRPr lang="de-CH" noProof="0"/>
           </a:p>
@@ -5662,7 +5681,7 @@
           <a:p>
             <a:fld id="{3A01E762-278A-4155-9BEB-7C2CB2386E92}" type="datetime1">
               <a:rPr lang="de-CH" noProof="0" smtClean="0"/>
-              <a:t>06.05.2024</a:t>
+              <a:t>07.05.2024</a:t>
             </a:fld>
             <a:endParaRPr lang="de-CH" noProof="0"/>
           </a:p>
@@ -5938,7 +5957,7 @@
           <a:p>
             <a:fld id="{6C4EAFE7-317E-4912-B75C-DD6945F82242}" type="datetime1">
               <a:rPr lang="de-CH" noProof="0" smtClean="0"/>
-              <a:t>06.05.2024</a:t>
+              <a:t>07.05.2024</a:t>
             </a:fld>
             <a:endParaRPr lang="de-CH" noProof="0"/>
           </a:p>
@@ -7869,7 +7888,7 @@
           <a:p>
             <a:fld id="{4A358CF3-A22A-46C1-A4E5-5810212466EF}" type="datetime1">
               <a:rPr lang="de-CH" noProof="0" smtClean="0"/>
-              <a:t>06.05.2024</a:t>
+              <a:t>07.05.2024</a:t>
             </a:fld>
             <a:endParaRPr lang="de-CH" noProof="0"/>
           </a:p>
@@ -8589,7 +8608,7 @@
           <a:p>
             <a:fld id="{D5CE5686-0170-47AF-9B8A-7DF387E652FA}" type="datetime1">
               <a:rPr lang="de-CH" noProof="0" smtClean="0"/>
-              <a:t>06.05.2024</a:t>
+              <a:t>07.05.2024</a:t>
             </a:fld>
             <a:endParaRPr lang="de-CH" noProof="0"/>
           </a:p>
@@ -9064,7 +9083,7 @@
           <a:p>
             <a:fld id="{D5CE5686-0170-47AF-9B8A-7DF387E652FA}" type="datetime1">
               <a:rPr lang="de-CH" noProof="0" smtClean="0"/>
-              <a:t>06.05.2024</a:t>
+              <a:t>07.05.2024</a:t>
             </a:fld>
             <a:endParaRPr lang="de-CH" noProof="0"/>
           </a:p>
@@ -9453,7 +9472,7 @@
           <a:p>
             <a:fld id="{D5CE5686-0170-47AF-9B8A-7DF387E652FA}" type="datetime1">
               <a:rPr lang="de-CH" noProof="0" smtClean="0"/>
-              <a:t>06.05.2024</a:t>
+              <a:t>07.05.2024</a:t>
             </a:fld>
             <a:endParaRPr lang="de-CH" noProof="0"/>
           </a:p>
@@ -9932,7 +9951,7 @@
           <a:p>
             <a:fld id="{D5CE5686-0170-47AF-9B8A-7DF387E652FA}" type="datetime1">
               <a:rPr lang="de-CH" noProof="0" smtClean="0"/>
-              <a:t>06.05.2024</a:t>
+              <a:t>07.05.2024</a:t>
             </a:fld>
             <a:endParaRPr lang="de-CH" noProof="0"/>
           </a:p>
@@ -10183,7 +10202,7 @@
           <a:p>
             <a:fld id="{D5CE5686-0170-47AF-9B8A-7DF387E652FA}" type="datetime1">
               <a:rPr lang="de-CH" noProof="0" smtClean="0"/>
-              <a:t>06.05.2024</a:t>
+              <a:t>07.05.2024</a:t>
             </a:fld>
             <a:endParaRPr lang="de-CH" noProof="0"/>
           </a:p>
@@ -10524,7 +10543,7 @@
           <a:p>
             <a:fld id="{D5CE5686-0170-47AF-9B8A-7DF387E652FA}" type="datetime1">
               <a:rPr lang="de-CH" noProof="0" smtClean="0"/>
-              <a:t>06.05.2024</a:t>
+              <a:t>07.05.2024</a:t>
             </a:fld>
             <a:endParaRPr lang="de-CH" noProof="0"/>
           </a:p>
@@ -10706,8 +10725,12 @@
               <a:t>Eg. </a:t>
             </a:r>
             <a:r>
+              <a:rPr lang="en-US" dirty="0" err="1"/>
+              <a:t>patient,physical</a:t>
+            </a:r>
+            <a:r>
               <a:rPr lang="en-US" dirty="0"/>
-              <a:t>patient, prothrombin time, physical therapy, or posterior tibial</a:t>
+              <a:t> therapy, prothrombin time, or posterior tibial</a:t>
             </a:r>
             <a:endParaRPr lang="de-DE" dirty="0"/>
           </a:p>
@@ -10932,7 +10955,7 @@
           <a:p>
             <a:fld id="{D5CE5686-0170-47AF-9B8A-7DF387E652FA}" type="datetime1">
               <a:rPr lang="de-CH" noProof="0" smtClean="0"/>
-              <a:t>06.05.2024</a:t>
+              <a:t>07.05.2024</a:t>
             </a:fld>
             <a:endParaRPr lang="de-CH" noProof="0"/>
           </a:p>
@@ -10969,10 +10992,10 @@
       </p:sp>
       <p:pic>
         <p:nvPicPr>
-          <p:cNvPr id="9" name="Grafik 8">
-            <a:extLst>
-              <a:ext uri="{FF2B5EF4-FFF2-40B4-BE49-F238E27FC236}">
-                <a16:creationId xmlns:a16="http://schemas.microsoft.com/office/drawing/2014/main" id="{402F7C12-BD43-0760-BD29-AFA1007D4576}"/>
+          <p:cNvPr id="7" name="Grafik 6">
+            <a:extLst>
+              <a:ext uri="{FF2B5EF4-FFF2-40B4-BE49-F238E27FC236}">
+                <a16:creationId xmlns:a16="http://schemas.microsoft.com/office/drawing/2014/main" id="{AEC59477-D7E0-BFB8-23D0-4F05ACC0A680}"/>
               </a:ext>
             </a:extLst>
           </p:cNvPr>
@@ -10989,8 +11012,8 @@
         </p:blipFill>
         <p:spPr>
           <a:xfrm>
-            <a:off x="5523346" y="3273327"/>
-            <a:ext cx="4664626" cy="657544"/>
+            <a:off x="6362119" y="3210796"/>
+            <a:ext cx="3501072" cy="3572328"/>
           </a:xfrm>
           <a:prstGeom prst="rect">
             <a:avLst/>
@@ -11007,6 +11030,546 @@
   <p:clrMapOvr>
     <a:masterClrMapping/>
   </p:clrMapOvr>
+  <p:timing>
+    <p:tnLst>
+      <p:par>
+        <p:cTn id="1" dur="indefinite" restart="never" nodeType="tmRoot">
+          <p:childTnLst>
+            <p:seq concurrent="1" nextAc="seek">
+              <p:cTn id="2" dur="indefinite" nodeType="mainSeq">
+                <p:childTnLst>
+                  <p:par>
+                    <p:cTn id="3" fill="hold">
+                      <p:stCondLst>
+                        <p:cond delay="indefinite"/>
+                      </p:stCondLst>
+                      <p:childTnLst>
+                        <p:par>
+                          <p:cTn id="4" fill="hold">
+                            <p:stCondLst>
+                              <p:cond delay="0"/>
+                            </p:stCondLst>
+                            <p:childTnLst>
+                              <p:par>
+                                <p:cTn id="5" presetID="1" presetClass="entr" presetSubtype="0" fill="hold" grpId="0" nodeType="clickEffect">
+                                  <p:stCondLst>
+                                    <p:cond delay="0"/>
+                                  </p:stCondLst>
+                                  <p:childTnLst>
+                                    <p:set>
+                                      <p:cBhvr>
+                                        <p:cTn id="6" dur="1" fill="hold">
+                                          <p:stCondLst>
+                                            <p:cond delay="0"/>
+                                          </p:stCondLst>
+                                        </p:cTn>
+                                        <p:tgtEl>
+                                          <p:spTgt spid="3">
+                                            <p:txEl>
+                                              <p:pRg st="0" end="0"/>
+                                            </p:txEl>
+                                          </p:spTgt>
+                                        </p:tgtEl>
+                                        <p:attrNameLst>
+                                          <p:attrName>style.visibility</p:attrName>
+                                        </p:attrNameLst>
+                                      </p:cBhvr>
+                                      <p:to>
+                                        <p:strVal val="visible"/>
+                                      </p:to>
+                                    </p:set>
+                                  </p:childTnLst>
+                                </p:cTn>
+                              </p:par>
+                              <p:par>
+                                <p:cTn id="7" presetID="1" presetClass="entr" presetSubtype="0" fill="hold" grpId="0" nodeType="withEffect">
+                                  <p:stCondLst>
+                                    <p:cond delay="0"/>
+                                  </p:stCondLst>
+                                  <p:childTnLst>
+                                    <p:set>
+                                      <p:cBhvr>
+                                        <p:cTn id="8" dur="1" fill="hold">
+                                          <p:stCondLst>
+                                            <p:cond delay="0"/>
+                                          </p:stCondLst>
+                                        </p:cTn>
+                                        <p:tgtEl>
+                                          <p:spTgt spid="3">
+                                            <p:txEl>
+                                              <p:pRg st="1" end="1"/>
+                                            </p:txEl>
+                                          </p:spTgt>
+                                        </p:tgtEl>
+                                        <p:attrNameLst>
+                                          <p:attrName>style.visibility</p:attrName>
+                                        </p:attrNameLst>
+                                      </p:cBhvr>
+                                      <p:to>
+                                        <p:strVal val="visible"/>
+                                      </p:to>
+                                    </p:set>
+                                  </p:childTnLst>
+                                </p:cTn>
+                              </p:par>
+                            </p:childTnLst>
+                          </p:cTn>
+                        </p:par>
+                      </p:childTnLst>
+                    </p:cTn>
+                  </p:par>
+                  <p:par>
+                    <p:cTn id="9" fill="hold">
+                      <p:stCondLst>
+                        <p:cond delay="indefinite"/>
+                      </p:stCondLst>
+                      <p:childTnLst>
+                        <p:par>
+                          <p:cTn id="10" fill="hold">
+                            <p:stCondLst>
+                              <p:cond delay="0"/>
+                            </p:stCondLst>
+                            <p:childTnLst>
+                              <p:par>
+                                <p:cTn id="11" presetID="1" presetClass="entr" presetSubtype="0" fill="hold" grpId="0" nodeType="clickEffect">
+                                  <p:stCondLst>
+                                    <p:cond delay="0"/>
+                                  </p:stCondLst>
+                                  <p:childTnLst>
+                                    <p:set>
+                                      <p:cBhvr>
+                                        <p:cTn id="12" dur="1" fill="hold">
+                                          <p:stCondLst>
+                                            <p:cond delay="0"/>
+                                          </p:stCondLst>
+                                        </p:cTn>
+                                        <p:tgtEl>
+                                          <p:spTgt spid="3">
+                                            <p:txEl>
+                                              <p:pRg st="2" end="2"/>
+                                            </p:txEl>
+                                          </p:spTgt>
+                                        </p:tgtEl>
+                                        <p:attrNameLst>
+                                          <p:attrName>style.visibility</p:attrName>
+                                        </p:attrNameLst>
+                                      </p:cBhvr>
+                                      <p:to>
+                                        <p:strVal val="visible"/>
+                                      </p:to>
+                                    </p:set>
+                                  </p:childTnLst>
+                                </p:cTn>
+                              </p:par>
+                              <p:par>
+                                <p:cTn id="13" presetID="1" presetClass="entr" presetSubtype="0" fill="hold" grpId="0" nodeType="withEffect">
+                                  <p:stCondLst>
+                                    <p:cond delay="0"/>
+                                  </p:stCondLst>
+                                  <p:childTnLst>
+                                    <p:set>
+                                      <p:cBhvr>
+                                        <p:cTn id="14" dur="1" fill="hold">
+                                          <p:stCondLst>
+                                            <p:cond delay="0"/>
+                                          </p:stCondLst>
+                                        </p:cTn>
+                                        <p:tgtEl>
+                                          <p:spTgt spid="3">
+                                            <p:txEl>
+                                              <p:pRg st="3" end="3"/>
+                                            </p:txEl>
+                                          </p:spTgt>
+                                        </p:tgtEl>
+                                        <p:attrNameLst>
+                                          <p:attrName>style.visibility</p:attrName>
+                                        </p:attrNameLst>
+                                      </p:cBhvr>
+                                      <p:to>
+                                        <p:strVal val="visible"/>
+                                      </p:to>
+                                    </p:set>
+                                  </p:childTnLst>
+                                </p:cTn>
+                              </p:par>
+                            </p:childTnLst>
+                          </p:cTn>
+                        </p:par>
+                      </p:childTnLst>
+                    </p:cTn>
+                  </p:par>
+                  <p:par>
+                    <p:cTn id="15" fill="hold">
+                      <p:stCondLst>
+                        <p:cond delay="indefinite"/>
+                      </p:stCondLst>
+                      <p:childTnLst>
+                        <p:par>
+                          <p:cTn id="16" fill="hold">
+                            <p:stCondLst>
+                              <p:cond delay="0"/>
+                            </p:stCondLst>
+                            <p:childTnLst>
+                              <p:par>
+                                <p:cTn id="17" presetID="1" presetClass="entr" presetSubtype="0" fill="hold" grpId="0" nodeType="clickEffect">
+                                  <p:stCondLst>
+                                    <p:cond delay="0"/>
+                                  </p:stCondLst>
+                                  <p:childTnLst>
+                                    <p:set>
+                                      <p:cBhvr>
+                                        <p:cTn id="18" dur="1" fill="hold">
+                                          <p:stCondLst>
+                                            <p:cond delay="0"/>
+                                          </p:stCondLst>
+                                        </p:cTn>
+                                        <p:tgtEl>
+                                          <p:spTgt spid="3">
+                                            <p:txEl>
+                                              <p:pRg st="4" end="4"/>
+                                            </p:txEl>
+                                          </p:spTgt>
+                                        </p:tgtEl>
+                                        <p:attrNameLst>
+                                          <p:attrName>style.visibility</p:attrName>
+                                        </p:attrNameLst>
+                                      </p:cBhvr>
+                                      <p:to>
+                                        <p:strVal val="visible"/>
+                                      </p:to>
+                                    </p:set>
+                                  </p:childTnLst>
+                                </p:cTn>
+                              </p:par>
+                              <p:par>
+                                <p:cTn id="19" presetID="1" presetClass="entr" presetSubtype="0" fill="hold" grpId="0" nodeType="withEffect">
+                                  <p:stCondLst>
+                                    <p:cond delay="0"/>
+                                  </p:stCondLst>
+                                  <p:childTnLst>
+                                    <p:set>
+                                      <p:cBhvr>
+                                        <p:cTn id="20" dur="1" fill="hold">
+                                          <p:stCondLst>
+                                            <p:cond delay="0"/>
+                                          </p:stCondLst>
+                                        </p:cTn>
+                                        <p:tgtEl>
+                                          <p:spTgt spid="3">
+                                            <p:txEl>
+                                              <p:pRg st="5" end="5"/>
+                                            </p:txEl>
+                                          </p:spTgt>
+                                        </p:tgtEl>
+                                        <p:attrNameLst>
+                                          <p:attrName>style.visibility</p:attrName>
+                                        </p:attrNameLst>
+                                      </p:cBhvr>
+                                      <p:to>
+                                        <p:strVal val="visible"/>
+                                      </p:to>
+                                    </p:set>
+                                  </p:childTnLst>
+                                </p:cTn>
+                              </p:par>
+                            </p:childTnLst>
+                          </p:cTn>
+                        </p:par>
+                      </p:childTnLst>
+                    </p:cTn>
+                  </p:par>
+                  <p:par>
+                    <p:cTn id="21" fill="hold">
+                      <p:stCondLst>
+                        <p:cond delay="indefinite"/>
+                      </p:stCondLst>
+                      <p:childTnLst>
+                        <p:par>
+                          <p:cTn id="22" fill="hold">
+                            <p:stCondLst>
+                              <p:cond delay="0"/>
+                            </p:stCondLst>
+                            <p:childTnLst>
+                              <p:par>
+                                <p:cTn id="23" presetID="1" presetClass="entr" presetSubtype="0" fill="hold" grpId="0" nodeType="clickEffect">
+                                  <p:stCondLst>
+                                    <p:cond delay="0"/>
+                                  </p:stCondLst>
+                                  <p:childTnLst>
+                                    <p:set>
+                                      <p:cBhvr>
+                                        <p:cTn id="24" dur="1" fill="hold">
+                                          <p:stCondLst>
+                                            <p:cond delay="0"/>
+                                          </p:stCondLst>
+                                        </p:cTn>
+                                        <p:tgtEl>
+                                          <p:spTgt spid="3">
+                                            <p:txEl>
+                                              <p:pRg st="6" end="6"/>
+                                            </p:txEl>
+                                          </p:spTgt>
+                                        </p:tgtEl>
+                                        <p:attrNameLst>
+                                          <p:attrName>style.visibility</p:attrName>
+                                        </p:attrNameLst>
+                                      </p:cBhvr>
+                                      <p:to>
+                                        <p:strVal val="visible"/>
+                                      </p:to>
+                                    </p:set>
+                                  </p:childTnLst>
+                                </p:cTn>
+                              </p:par>
+                              <p:par>
+                                <p:cTn id="25" presetID="1" presetClass="entr" presetSubtype="0" fill="hold" nodeType="withEffect">
+                                  <p:stCondLst>
+                                    <p:cond delay="0"/>
+                                  </p:stCondLst>
+                                  <p:childTnLst>
+                                    <p:set>
+                                      <p:cBhvr>
+                                        <p:cTn id="26" dur="1" fill="hold">
+                                          <p:stCondLst>
+                                            <p:cond delay="0"/>
+                                          </p:stCondLst>
+                                        </p:cTn>
+                                        <p:tgtEl>
+                                          <p:spTgt spid="7"/>
+                                        </p:tgtEl>
+                                        <p:attrNameLst>
+                                          <p:attrName>style.visibility</p:attrName>
+                                        </p:attrNameLst>
+                                      </p:cBhvr>
+                                      <p:to>
+                                        <p:strVal val="visible"/>
+                                      </p:to>
+                                    </p:set>
+                                  </p:childTnLst>
+                                </p:cTn>
+                              </p:par>
+                            </p:childTnLst>
+                          </p:cTn>
+                        </p:par>
+                      </p:childTnLst>
+                    </p:cTn>
+                  </p:par>
+                  <p:par>
+                    <p:cTn id="27" fill="hold">
+                      <p:stCondLst>
+                        <p:cond delay="indefinite"/>
+                      </p:stCondLst>
+                      <p:childTnLst>
+                        <p:par>
+                          <p:cTn id="28" fill="hold">
+                            <p:stCondLst>
+                              <p:cond delay="0"/>
+                            </p:stCondLst>
+                            <p:childTnLst>
+                              <p:par>
+                                <p:cTn id="29" presetID="1" presetClass="entr" presetSubtype="0" fill="hold" grpId="0" nodeType="clickEffect">
+                                  <p:stCondLst>
+                                    <p:cond delay="0"/>
+                                  </p:stCondLst>
+                                  <p:childTnLst>
+                                    <p:set>
+                                      <p:cBhvr>
+                                        <p:cTn id="30" dur="1" fill="hold">
+                                          <p:stCondLst>
+                                            <p:cond delay="0"/>
+                                          </p:stCondLst>
+                                        </p:cTn>
+                                        <p:tgtEl>
+                                          <p:spTgt spid="3">
+                                            <p:txEl>
+                                              <p:pRg st="7" end="7"/>
+                                            </p:txEl>
+                                          </p:spTgt>
+                                        </p:tgtEl>
+                                        <p:attrNameLst>
+                                          <p:attrName>style.visibility</p:attrName>
+                                        </p:attrNameLst>
+                                      </p:cBhvr>
+                                      <p:to>
+                                        <p:strVal val="visible"/>
+                                      </p:to>
+                                    </p:set>
+                                  </p:childTnLst>
+                                </p:cTn>
+                              </p:par>
+                            </p:childTnLst>
+                          </p:cTn>
+                        </p:par>
+                      </p:childTnLst>
+                    </p:cTn>
+                  </p:par>
+                  <p:par>
+                    <p:cTn id="31" fill="hold">
+                      <p:stCondLst>
+                        <p:cond delay="indefinite"/>
+                      </p:stCondLst>
+                      <p:childTnLst>
+                        <p:par>
+                          <p:cTn id="32" fill="hold">
+                            <p:stCondLst>
+                              <p:cond delay="0"/>
+                            </p:stCondLst>
+                            <p:childTnLst>
+                              <p:par>
+                                <p:cTn id="33" presetID="1" presetClass="entr" presetSubtype="0" fill="hold" grpId="0" nodeType="clickEffect">
+                                  <p:stCondLst>
+                                    <p:cond delay="0"/>
+                                  </p:stCondLst>
+                                  <p:childTnLst>
+                                    <p:set>
+                                      <p:cBhvr>
+                                        <p:cTn id="34" dur="1" fill="hold">
+                                          <p:stCondLst>
+                                            <p:cond delay="0"/>
+                                          </p:stCondLst>
+                                        </p:cTn>
+                                        <p:tgtEl>
+                                          <p:spTgt spid="3">
+                                            <p:txEl>
+                                              <p:pRg st="8" end="8"/>
+                                            </p:txEl>
+                                          </p:spTgt>
+                                        </p:tgtEl>
+                                        <p:attrNameLst>
+                                          <p:attrName>style.visibility</p:attrName>
+                                        </p:attrNameLst>
+                                      </p:cBhvr>
+                                      <p:to>
+                                        <p:strVal val="visible"/>
+                                      </p:to>
+                                    </p:set>
+                                  </p:childTnLst>
+                                </p:cTn>
+                              </p:par>
+                              <p:par>
+                                <p:cTn id="35" presetID="1" presetClass="entr" presetSubtype="0" fill="hold" grpId="0" nodeType="withEffect">
+                                  <p:stCondLst>
+                                    <p:cond delay="0"/>
+                                  </p:stCondLst>
+                                  <p:childTnLst>
+                                    <p:set>
+                                      <p:cBhvr>
+                                        <p:cTn id="36" dur="1" fill="hold">
+                                          <p:stCondLst>
+                                            <p:cond delay="0"/>
+                                          </p:stCondLst>
+                                        </p:cTn>
+                                        <p:tgtEl>
+                                          <p:spTgt spid="3">
+                                            <p:txEl>
+                                              <p:pRg st="9" end="9"/>
+                                            </p:txEl>
+                                          </p:spTgt>
+                                        </p:tgtEl>
+                                        <p:attrNameLst>
+                                          <p:attrName>style.visibility</p:attrName>
+                                        </p:attrNameLst>
+                                      </p:cBhvr>
+                                      <p:to>
+                                        <p:strVal val="visible"/>
+                                      </p:to>
+                                    </p:set>
+                                  </p:childTnLst>
+                                </p:cTn>
+                              </p:par>
+                              <p:par>
+                                <p:cTn id="37" presetID="1" presetClass="entr" presetSubtype="0" fill="hold" grpId="0" nodeType="withEffect">
+                                  <p:stCondLst>
+                                    <p:cond delay="0"/>
+                                  </p:stCondLst>
+                                  <p:childTnLst>
+                                    <p:set>
+                                      <p:cBhvr>
+                                        <p:cTn id="38" dur="1" fill="hold">
+                                          <p:stCondLst>
+                                            <p:cond delay="0"/>
+                                          </p:stCondLst>
+                                        </p:cTn>
+                                        <p:tgtEl>
+                                          <p:spTgt spid="3">
+                                            <p:txEl>
+                                              <p:pRg st="10" end="10"/>
+                                            </p:txEl>
+                                          </p:spTgt>
+                                        </p:tgtEl>
+                                        <p:attrNameLst>
+                                          <p:attrName>style.visibility</p:attrName>
+                                        </p:attrNameLst>
+                                      </p:cBhvr>
+                                      <p:to>
+                                        <p:strVal val="visible"/>
+                                      </p:to>
+                                    </p:set>
+                                  </p:childTnLst>
+                                </p:cTn>
+                              </p:par>
+                              <p:par>
+                                <p:cTn id="39" presetID="1" presetClass="entr" presetSubtype="0" fill="hold" grpId="0" nodeType="withEffect">
+                                  <p:stCondLst>
+                                    <p:cond delay="0"/>
+                                  </p:stCondLst>
+                                  <p:childTnLst>
+                                    <p:set>
+                                      <p:cBhvr>
+                                        <p:cTn id="40" dur="1" fill="hold">
+                                          <p:stCondLst>
+                                            <p:cond delay="0"/>
+                                          </p:stCondLst>
+                                        </p:cTn>
+                                        <p:tgtEl>
+                                          <p:spTgt spid="3">
+                                            <p:txEl>
+                                              <p:pRg st="11" end="11"/>
+                                            </p:txEl>
+                                          </p:spTgt>
+                                        </p:tgtEl>
+                                        <p:attrNameLst>
+                                          <p:attrName>style.visibility</p:attrName>
+                                        </p:attrNameLst>
+                                      </p:cBhvr>
+                                      <p:to>
+                                        <p:strVal val="visible"/>
+                                      </p:to>
+                                    </p:set>
+                                  </p:childTnLst>
+                                </p:cTn>
+                              </p:par>
+                            </p:childTnLst>
+                          </p:cTn>
+                        </p:par>
+                      </p:childTnLst>
+                    </p:cTn>
+                  </p:par>
+                </p:childTnLst>
+              </p:cTn>
+              <p:prevCondLst>
+                <p:cond evt="onPrev" delay="0">
+                  <p:tgtEl>
+                    <p:sldTgt/>
+                  </p:tgtEl>
+                </p:cond>
+              </p:prevCondLst>
+              <p:nextCondLst>
+                <p:cond evt="onNext" delay="0">
+                  <p:tgtEl>
+                    <p:sldTgt/>
+                  </p:tgtEl>
+                </p:cond>
+              </p:nextCondLst>
+            </p:seq>
+          </p:childTnLst>
+        </p:cTn>
+      </p:par>
+    </p:tnLst>
+    <p:bldLst>
+      <p:bldP spid="3" grpId="0" uiExpand="1" build="p"/>
+    </p:bldLst>
+  </p:timing>
 </p:sld>
 </file>
 
@@ -11202,7 +11765,7 @@
           <a:p>
             <a:fld id="{D5CE5686-0170-47AF-9B8A-7DF387E652FA}" type="datetime1">
               <a:rPr lang="de-CH" noProof="0" smtClean="0"/>
-              <a:t>06.05.2024</a:t>
+              <a:t>07.05.2024</a:t>
             </a:fld>
             <a:endParaRPr lang="de-CH" noProof="0"/>
           </a:p>
@@ -11470,7 +12033,7 @@
           <a:p>
             <a:fld id="{D5CE5686-0170-47AF-9B8A-7DF387E652FA}" type="datetime1">
               <a:rPr lang="de-CH" noProof="0" smtClean="0"/>
-              <a:t>06.05.2024</a:t>
+              <a:t>07.05.2024</a:t>
             </a:fld>
             <a:endParaRPr lang="de-CH" noProof="0"/>
           </a:p>
@@ -11616,7 +12179,7 @@
           <a:p>
             <a:fld id="{D5CE5686-0170-47AF-9B8A-7DF387E652FA}" type="datetime1">
               <a:rPr lang="de-CH" noProof="0" smtClean="0"/>
-              <a:t>06.05.2024</a:t>
+              <a:t>07.05.2024</a:t>
             </a:fld>
             <a:endParaRPr lang="de-CH" noProof="0"/>
           </a:p>
@@ -11822,7 +12385,7 @@
           <a:p>
             <a:fld id="{D5CE5686-0170-47AF-9B8A-7DF387E652FA}" type="datetime1">
               <a:rPr lang="de-CH" noProof="0" smtClean="0"/>
-              <a:t>06.05.2024</a:t>
+              <a:t>07.05.2024</a:t>
             </a:fld>
             <a:endParaRPr lang="de-CH" noProof="0"/>
           </a:p>
@@ -11968,7 +12531,7 @@
           <a:p>
             <a:fld id="{D5CE5686-0170-47AF-9B8A-7DF387E652FA}" type="datetime1">
               <a:rPr lang="de-CH" noProof="0" smtClean="0"/>
-              <a:t>06.05.2024</a:t>
+              <a:t>07.05.2024</a:t>
             </a:fld>
             <a:endParaRPr lang="de-CH" noProof="0"/>
           </a:p>
